--- a/design/ppt/design_tobacco_page.pptx
+++ b/design/ppt/design_tobacco_page.pptx
@@ -104,6 +104,11 @@
       </a:defRPr>
     </a:lvl9pPr>
   </p:defaultTextStyle>
+  <p:extLst>
+    <p:ext uri="{EFAFB233-063F-42B5-8137-9DF3F51BA10A}">
+      <p15:sldGuideLst xmlns:p15="http://schemas.microsoft.com/office/powerpoint/2012/main"/>
+    </p:ext>
+  </p:extLst>
 </p:presentation>
 </file>
 
@@ -3462,7 +3467,7 @@
                   </a:schemeClr>
                 </a:solidFill>
               </a:rPr>
-              <a:t>ТобакоПоиск</a:t>
+              <a:t>ТабакоПоиск</a:t>
             </a:r>
           </a:p>
         </p:txBody>
@@ -3680,7 +3685,7 @@
         </p:nvSpPr>
         <p:spPr>
           <a:xfrm>
-            <a:off x="6451183" y="763546"/>
+            <a:off x="6451183" y="821575"/>
             <a:ext cx="1001948" cy="369332"/>
           </a:xfrm>
           <a:prstGeom prst="rect">
@@ -3727,7 +3732,7 @@
         </p:nvSpPr>
         <p:spPr>
           <a:xfrm>
-            <a:off x="7315525" y="680528"/>
+            <a:off x="7315525" y="738557"/>
             <a:ext cx="1796344" cy="523220"/>
           </a:xfrm>
           <a:prstGeom prst="rect">
@@ -6301,7 +6306,7 @@
         </p:blipFill>
         <p:spPr>
           <a:xfrm>
-            <a:off x="4684292" y="3850570"/>
+            <a:off x="4491053" y="3767820"/>
             <a:ext cx="196360" cy="196360"/>
           </a:xfrm>
           <a:prstGeom prst="rect">
@@ -6324,7 +6329,7 @@
         </p:nvSpPr>
         <p:spPr>
           <a:xfrm>
-            <a:off x="4848452" y="3804156"/>
+            <a:off x="4655213" y="3721406"/>
             <a:ext cx="554753" cy="307777"/>
           </a:xfrm>
           <a:prstGeom prst="rect">
@@ -6372,7 +6377,7 @@
         </p:nvSpPr>
         <p:spPr>
           <a:xfrm>
-            <a:off x="4339425" y="3543588"/>
+            <a:off x="3424856" y="3721406"/>
             <a:ext cx="886093" cy="307777"/>
           </a:xfrm>
           <a:prstGeom prst="rect">
@@ -6453,7 +6458,7 @@
         </p:blipFill>
         <p:spPr>
           <a:xfrm>
-            <a:off x="4178518" y="3597611"/>
+            <a:off x="3263949" y="3775429"/>
             <a:ext cx="185409" cy="185409"/>
           </a:xfrm>
           <a:prstGeom prst="rect">
@@ -7168,7 +7173,7 @@
                   </a:schemeClr>
                 </a:solidFill>
               </a:rPr>
-              <a:t>ТобакоПоиск</a:t>
+              <a:t>ТабакоПоиск</a:t>
             </a:r>
           </a:p>
           <a:p>
@@ -7211,9 +7216,9 @@
             <a:r>
               <a:rPr lang="ru-RU" sz="1100" i="1" dirty="0">
                 <a:solidFill>
-                  <a:schemeClr val="accent5">
-                    <a:lumMod val="40000"/>
-                    <a:lumOff val="60000"/>
+                  <a:schemeClr val="accent2">
+                    <a:lumMod val="20000"/>
+                    <a:lumOff val="80000"/>
                   </a:schemeClr>
                 </a:solidFill>
                 <a:latin typeface="Book Antiqua" panose="02040602050305030304" pitchFamily="18" charset="0"/>
@@ -7249,9 +7254,9 @@
             <a:r>
               <a:rPr lang="ru-RU" sz="1100" i="1" dirty="0">
                 <a:solidFill>
-                  <a:schemeClr val="accent5">
-                    <a:lumMod val="40000"/>
-                    <a:lumOff val="60000"/>
+                  <a:schemeClr val="accent2">
+                    <a:lumMod val="20000"/>
+                    <a:lumOff val="80000"/>
                   </a:schemeClr>
                 </a:solidFill>
                 <a:latin typeface="Book Antiqua" panose="02040602050305030304" pitchFamily="18" charset="0"/>
@@ -7394,6 +7399,52 @@
           </a:p>
         </p:txBody>
       </p:sp>
+      <p:cxnSp>
+        <p:nvCxnSpPr>
+          <p:cNvPr id="3" name="Прямая соединительная линия 2"/>
+          <p:cNvCxnSpPr>
+            <a:cxnSpLocks/>
+          </p:cNvCxnSpPr>
+          <p:nvPr/>
+        </p:nvCxnSpPr>
+        <p:spPr>
+          <a:xfrm>
+            <a:off x="3100606" y="665122"/>
+            <a:ext cx="5988505" cy="0"/>
+          </a:xfrm>
+          <a:prstGeom prst="line">
+            <a:avLst/>
+          </a:prstGeom>
+          <a:ln w="12700">
+            <a:solidFill>
+              <a:schemeClr val="bg1">
+                <a:lumMod val="50000"/>
+              </a:schemeClr>
+            </a:solidFill>
+          </a:ln>
+          <a:effectLst>
+            <a:outerShdw blurRad="50800" dist="38100" dir="2700000" algn="tl" rotWithShape="0">
+              <a:prstClr val="black">
+                <a:alpha val="40000"/>
+              </a:prstClr>
+            </a:outerShdw>
+          </a:effectLst>
+        </p:spPr>
+        <p:style>
+          <a:lnRef idx="1">
+            <a:schemeClr val="dk1"/>
+          </a:lnRef>
+          <a:fillRef idx="0">
+            <a:schemeClr val="dk1"/>
+          </a:fillRef>
+          <a:effectRef idx="0">
+            <a:schemeClr val="dk1"/>
+          </a:effectRef>
+          <a:fontRef idx="minor">
+            <a:schemeClr val="tx1"/>
+          </a:fontRef>
+        </p:style>
+      </p:cxnSp>
     </p:spTree>
     <p:extLst>
       <p:ext uri="{BB962C8B-B14F-4D97-AF65-F5344CB8AC3E}">

--- a/design/ppt/design_tobacco_page.pptx
+++ b/design/ppt/design_tobacco_page.pptx
@@ -241,7 +241,7 @@
           <a:p>
             <a:fld id="{9A9113F8-47F1-44CA-B52A-3B427A261260}" type="datetimeFigureOut">
               <a:rPr lang="ru-RU" smtClean="0"/>
-              <a:t>20.04.2017</a:t>
+              <a:t>22.04.2017</a:t>
             </a:fld>
             <a:endParaRPr lang="ru-RU"/>
           </a:p>
@@ -409,7 +409,7 @@
           <a:p>
             <a:fld id="{9A9113F8-47F1-44CA-B52A-3B427A261260}" type="datetimeFigureOut">
               <a:rPr lang="ru-RU" smtClean="0"/>
-              <a:t>20.04.2017</a:t>
+              <a:t>22.04.2017</a:t>
             </a:fld>
             <a:endParaRPr lang="ru-RU"/>
           </a:p>
@@ -587,7 +587,7 @@
           <a:p>
             <a:fld id="{9A9113F8-47F1-44CA-B52A-3B427A261260}" type="datetimeFigureOut">
               <a:rPr lang="ru-RU" smtClean="0"/>
-              <a:t>20.04.2017</a:t>
+              <a:t>22.04.2017</a:t>
             </a:fld>
             <a:endParaRPr lang="ru-RU"/>
           </a:p>
@@ -755,7 +755,7 @@
           <a:p>
             <a:fld id="{9A9113F8-47F1-44CA-B52A-3B427A261260}" type="datetimeFigureOut">
               <a:rPr lang="ru-RU" smtClean="0"/>
-              <a:t>20.04.2017</a:t>
+              <a:t>22.04.2017</a:t>
             </a:fld>
             <a:endParaRPr lang="ru-RU"/>
           </a:p>
@@ -1000,7 +1000,7 @@
           <a:p>
             <a:fld id="{9A9113F8-47F1-44CA-B52A-3B427A261260}" type="datetimeFigureOut">
               <a:rPr lang="ru-RU" smtClean="0"/>
-              <a:t>20.04.2017</a:t>
+              <a:t>22.04.2017</a:t>
             </a:fld>
             <a:endParaRPr lang="ru-RU"/>
           </a:p>
@@ -1229,7 +1229,7 @@
           <a:p>
             <a:fld id="{9A9113F8-47F1-44CA-B52A-3B427A261260}" type="datetimeFigureOut">
               <a:rPr lang="ru-RU" smtClean="0"/>
-              <a:t>20.04.2017</a:t>
+              <a:t>22.04.2017</a:t>
             </a:fld>
             <a:endParaRPr lang="ru-RU"/>
           </a:p>
@@ -1593,7 +1593,7 @@
           <a:p>
             <a:fld id="{9A9113F8-47F1-44CA-B52A-3B427A261260}" type="datetimeFigureOut">
               <a:rPr lang="ru-RU" smtClean="0"/>
-              <a:t>20.04.2017</a:t>
+              <a:t>22.04.2017</a:t>
             </a:fld>
             <a:endParaRPr lang="ru-RU"/>
           </a:p>
@@ -1710,7 +1710,7 @@
           <a:p>
             <a:fld id="{9A9113F8-47F1-44CA-B52A-3B427A261260}" type="datetimeFigureOut">
               <a:rPr lang="ru-RU" smtClean="0"/>
-              <a:t>20.04.2017</a:t>
+              <a:t>22.04.2017</a:t>
             </a:fld>
             <a:endParaRPr lang="ru-RU"/>
           </a:p>
@@ -1805,7 +1805,7 @@
           <a:p>
             <a:fld id="{9A9113F8-47F1-44CA-B52A-3B427A261260}" type="datetimeFigureOut">
               <a:rPr lang="ru-RU" smtClean="0"/>
-              <a:t>20.04.2017</a:t>
+              <a:t>22.04.2017</a:t>
             </a:fld>
             <a:endParaRPr lang="ru-RU"/>
           </a:p>
@@ -2080,7 +2080,7 @@
           <a:p>
             <a:fld id="{9A9113F8-47F1-44CA-B52A-3B427A261260}" type="datetimeFigureOut">
               <a:rPr lang="ru-RU" smtClean="0"/>
-              <a:t>20.04.2017</a:t>
+              <a:t>22.04.2017</a:t>
             </a:fld>
             <a:endParaRPr lang="ru-RU"/>
           </a:p>
@@ -2332,7 +2332,7 @@
           <a:p>
             <a:fld id="{9A9113F8-47F1-44CA-B52A-3B427A261260}" type="datetimeFigureOut">
               <a:rPr lang="ru-RU" smtClean="0"/>
-              <a:t>20.04.2017</a:t>
+              <a:t>22.04.2017</a:t>
             </a:fld>
             <a:endParaRPr lang="ru-RU"/>
           </a:p>
@@ -2543,7 +2543,7 @@
           <a:p>
             <a:fld id="{9A9113F8-47F1-44CA-B52A-3B427A261260}" type="datetimeFigureOut">
               <a:rPr lang="ru-RU" smtClean="0"/>
-              <a:t>20.04.2017</a:t>
+              <a:t>22.04.2017</a:t>
             </a:fld>
             <a:endParaRPr lang="ru-RU"/>
           </a:p>
@@ -3608,77 +3608,6 @@
       </p:sp>
       <p:sp>
         <p:nvSpPr>
-          <p:cNvPr id="49" name="Прямоугольник 48"/>
-          <p:cNvSpPr/>
-          <p:nvPr/>
-        </p:nvSpPr>
-        <p:spPr>
-          <a:xfrm>
-            <a:off x="3486657" y="969965"/>
-            <a:ext cx="1620952" cy="2167673"/>
-          </a:xfrm>
-          <a:prstGeom prst="rect">
-            <a:avLst/>
-          </a:prstGeom>
-          <a:blipFill dpi="0" rotWithShape="1">
-            <a:blip r:embed="rId6"/>
-            <a:srcRect/>
-            <a:stretch>
-              <a:fillRect/>
-            </a:stretch>
-          </a:blipFill>
-          <a:effectLst/>
-          <a:scene3d>
-            <a:camera prst="perspectiveHeroicExtremeRightFacing">
-              <a:rot lat="1066453" lon="19878860" rev="278757"/>
-            </a:camera>
-            <a:lightRig rig="flood" dir="t"/>
-          </a:scene3d>
-          <a:sp3d extrusionH="381000" contourW="12700" prstMaterial="flat">
-            <a:extrusionClr>
-              <a:srgbClr val="7C4444"/>
-            </a:extrusionClr>
-            <a:contourClr>
-              <a:srgbClr val="7C4444"/>
-            </a:contourClr>
-          </a:sp3d>
-        </p:spPr>
-        <p:style>
-          <a:lnRef idx="2">
-            <a:schemeClr val="accent3">
-              <a:shade val="50000"/>
-            </a:schemeClr>
-          </a:lnRef>
-          <a:fillRef idx="1">
-            <a:schemeClr val="accent3"/>
-          </a:fillRef>
-          <a:effectRef idx="0">
-            <a:schemeClr val="accent3"/>
-          </a:effectRef>
-          <a:fontRef idx="minor">
-            <a:schemeClr val="lt1"/>
-          </a:fontRef>
-        </p:style>
-        <p:txBody>
-          <a:bodyPr rtlCol="0" anchor="ctr"/>
-          <a:lstStyle/>
-          <a:p>
-            <a:pPr algn="ctr"/>
-            <a:endParaRPr lang="ru-RU" sz="9600" dirty="0">
-              <a:effectLst>
-                <a:outerShdw blurRad="50800" dist="38100" dir="2700000" algn="tl" rotWithShape="0">
-                  <a:prstClr val="black">
-                    <a:alpha val="40000"/>
-                  </a:prstClr>
-                </a:outerShdw>
-              </a:effectLst>
-              <a:latin typeface="Book Antiqua" panose="02040602050305030304" pitchFamily="18" charset="0"/>
-            </a:endParaRPr>
-          </a:p>
-        </p:txBody>
-      </p:sp>
-      <p:sp>
-        <p:nvSpPr>
           <p:cNvPr id="50" name="TextBox 49"/>
           <p:cNvSpPr txBox="1"/>
           <p:nvPr/>
@@ -3942,7 +3871,7 @@
           <p:nvPr/>
         </p:nvPicPr>
         <p:blipFill>
-          <a:blip r:embed="rId7">
+          <a:blip r:embed="rId6">
             <a:grayscl/>
             <a:extLst>
               <a:ext uri="{28A0092B-C50C-407E-A947-70E740481C1C}">
@@ -3973,7 +3902,7 @@
           <p:nvPr/>
         </p:nvPicPr>
         <p:blipFill>
-          <a:blip r:embed="rId7">
+          <a:blip r:embed="rId6">
             <a:grayscl/>
             <a:extLst>
               <a:ext uri="{28A0092B-C50C-407E-A947-70E740481C1C}">
@@ -4004,7 +3933,7 @@
           <p:nvPr/>
         </p:nvPicPr>
         <p:blipFill>
-          <a:blip r:embed="rId7">
+          <a:blip r:embed="rId6">
             <a:duotone>
               <a:prstClr val="black"/>
               <a:srgbClr val="FF0000">
@@ -4041,7 +3970,7 @@
           <p:nvPr/>
         </p:nvPicPr>
         <p:blipFill>
-          <a:blip r:embed="rId7">
+          <a:blip r:embed="rId6">
             <a:duotone>
               <a:prstClr val="black"/>
               <a:srgbClr val="FF0000">
@@ -4078,7 +4007,7 @@
           <p:nvPr/>
         </p:nvPicPr>
         <p:blipFill>
-          <a:blip r:embed="rId7">
+          <a:blip r:embed="rId6">
             <a:duotone>
               <a:prstClr val="black"/>
               <a:srgbClr val="FF0000">
@@ -4115,7 +4044,7 @@
           <p:nvPr/>
         </p:nvPicPr>
         <p:blipFill>
-          <a:blip r:embed="rId7">
+          <a:blip r:embed="rId6">
             <a:duotone>
               <a:prstClr val="black"/>
               <a:srgbClr val="FF0000">
@@ -4152,7 +4081,7 @@
           <p:nvPr/>
         </p:nvPicPr>
         <p:blipFill>
-          <a:blip r:embed="rId7">
+          <a:blip r:embed="rId6">
             <a:duotone>
               <a:prstClr val="black"/>
               <a:srgbClr val="FF0000">
@@ -4189,7 +4118,7 @@
           <p:nvPr/>
         </p:nvPicPr>
         <p:blipFill>
-          <a:blip r:embed="rId7">
+          <a:blip r:embed="rId6">
             <a:duotone>
               <a:prstClr val="black"/>
               <a:srgbClr val="FF0000">
@@ -4226,7 +4155,7 @@
           <p:nvPr/>
         </p:nvPicPr>
         <p:blipFill>
-          <a:blip r:embed="rId7">
+          <a:blip r:embed="rId6">
             <a:duotone>
               <a:prstClr val="black"/>
               <a:srgbClr val="FF0000">
@@ -4263,7 +4192,7 @@
           <p:nvPr/>
         </p:nvPicPr>
         <p:blipFill>
-          <a:blip r:embed="rId7">
+          <a:blip r:embed="rId6">
             <a:duotone>
               <a:prstClr val="black"/>
               <a:srgbClr val="FF0000">
@@ -4434,7 +4363,7 @@
           <p:nvPr/>
         </p:nvPicPr>
         <p:blipFill>
-          <a:blip r:embed="rId7">
+          <a:blip r:embed="rId6">
             <a:grayscl/>
             <a:extLst>
               <a:ext uri="{28A0092B-C50C-407E-A947-70E740481C1C}">
@@ -4465,7 +4394,7 @@
           <p:nvPr/>
         </p:nvPicPr>
         <p:blipFill>
-          <a:blip r:embed="rId7">
+          <a:blip r:embed="rId6">
             <a:duotone>
               <a:prstClr val="black"/>
               <a:schemeClr val="accent5">
@@ -4502,7 +4431,7 @@
           <p:nvPr/>
         </p:nvPicPr>
         <p:blipFill>
-          <a:blip r:embed="rId7">
+          <a:blip r:embed="rId6">
             <a:duotone>
               <a:prstClr val="black"/>
               <a:schemeClr val="accent5">
@@ -4539,7 +4468,7 @@
           <p:nvPr/>
         </p:nvPicPr>
         <p:blipFill>
-          <a:blip r:embed="rId7">
+          <a:blip r:embed="rId6">
             <a:duotone>
               <a:prstClr val="black"/>
               <a:schemeClr val="accent5">
@@ -4576,7 +4505,7 @@
           <p:nvPr/>
         </p:nvPicPr>
         <p:blipFill>
-          <a:blip r:embed="rId7">
+          <a:blip r:embed="rId6">
             <a:duotone>
               <a:prstClr val="black"/>
               <a:schemeClr val="accent5">
@@ -4613,7 +4542,7 @@
           <p:nvPr/>
         </p:nvPicPr>
         <p:blipFill>
-          <a:blip r:embed="rId7">
+          <a:blip r:embed="rId6">
             <a:duotone>
               <a:prstClr val="black"/>
               <a:schemeClr val="accent5">
@@ -4650,7 +4579,7 @@
           <p:nvPr/>
         </p:nvPicPr>
         <p:blipFill>
-          <a:blip r:embed="rId7">
+          <a:blip r:embed="rId6">
             <a:duotone>
               <a:prstClr val="black"/>
               <a:schemeClr val="accent5">
@@ -4687,7 +4616,7 @@
           <p:nvPr/>
         </p:nvPicPr>
         <p:blipFill>
-          <a:blip r:embed="rId7">
+          <a:blip r:embed="rId6">
             <a:duotone>
               <a:prstClr val="black"/>
               <a:schemeClr val="accent5">
@@ -4724,7 +4653,7 @@
           <p:nvPr/>
         </p:nvPicPr>
         <p:blipFill>
-          <a:blip r:embed="rId7">
+          <a:blip r:embed="rId6">
             <a:duotone>
               <a:prstClr val="black"/>
               <a:schemeClr val="accent5">
@@ -4761,7 +4690,7 @@
           <p:nvPr/>
         </p:nvPicPr>
         <p:blipFill>
-          <a:blip r:embed="rId7">
+          <a:blip r:embed="rId6">
             <a:duotone>
               <a:prstClr val="black"/>
               <a:schemeClr val="accent5">
@@ -4925,7 +4854,7 @@
           <p:nvPr/>
         </p:nvPicPr>
         <p:blipFill>
-          <a:blip r:embed="rId7">
+          <a:blip r:embed="rId6">
             <a:grayscl/>
             <a:extLst>
               <a:ext uri="{28A0092B-C50C-407E-A947-70E740481C1C}">
@@ -4956,7 +4885,7 @@
           <p:nvPr/>
         </p:nvPicPr>
         <p:blipFill>
-          <a:blip r:embed="rId7">
+          <a:blip r:embed="rId6">
             <a:grayscl/>
             <a:extLst>
               <a:ext uri="{28A0092B-C50C-407E-A947-70E740481C1C}">
@@ -4987,7 +4916,7 @@
           <p:nvPr/>
         </p:nvPicPr>
         <p:blipFill>
-          <a:blip r:embed="rId7">
+          <a:blip r:embed="rId6">
             <a:grayscl/>
             <a:extLst>
               <a:ext uri="{28A0092B-C50C-407E-A947-70E740481C1C}">
@@ -5018,7 +4947,7 @@
           <p:nvPr/>
         </p:nvPicPr>
         <p:blipFill>
-          <a:blip r:embed="rId7">
+          <a:blip r:embed="rId6">
             <a:duotone>
               <a:prstClr val="black"/>
               <a:schemeClr val="accent5">
@@ -5055,7 +4984,7 @@
           <p:nvPr/>
         </p:nvPicPr>
         <p:blipFill>
-          <a:blip r:embed="rId7">
+          <a:blip r:embed="rId6">
             <a:duotone>
               <a:prstClr val="black"/>
               <a:schemeClr val="accent5">
@@ -5092,7 +5021,7 @@
           <p:nvPr/>
         </p:nvPicPr>
         <p:blipFill>
-          <a:blip r:embed="rId7">
+          <a:blip r:embed="rId6">
             <a:duotone>
               <a:prstClr val="black"/>
               <a:schemeClr val="accent5">
@@ -5129,7 +5058,7 @@
           <p:nvPr/>
         </p:nvPicPr>
         <p:blipFill>
-          <a:blip r:embed="rId7">
+          <a:blip r:embed="rId6">
             <a:duotone>
               <a:prstClr val="black"/>
               <a:schemeClr val="accent5">
@@ -5166,7 +5095,7 @@
           <p:nvPr/>
         </p:nvPicPr>
         <p:blipFill>
-          <a:blip r:embed="rId7">
+          <a:blip r:embed="rId6">
             <a:duotone>
               <a:prstClr val="black"/>
               <a:schemeClr val="accent5">
@@ -5203,7 +5132,7 @@
           <p:nvPr/>
         </p:nvPicPr>
         <p:blipFill>
-          <a:blip r:embed="rId7">
+          <a:blip r:embed="rId6">
             <a:duotone>
               <a:prstClr val="black"/>
               <a:schemeClr val="accent5">
@@ -5240,7 +5169,7 @@
           <p:nvPr/>
         </p:nvPicPr>
         <p:blipFill>
-          <a:blip r:embed="rId7">
+          <a:blip r:embed="rId6">
             <a:duotone>
               <a:prstClr val="black"/>
               <a:schemeClr val="accent5">
@@ -5404,7 +5333,7 @@
           <p:nvPr/>
         </p:nvPicPr>
         <p:blipFill>
-          <a:blip r:embed="rId7">
+          <a:blip r:embed="rId6">
             <a:grayscl/>
             <a:extLst>
               <a:ext uri="{28A0092B-C50C-407E-A947-70E740481C1C}">
@@ -5435,7 +5364,7 @@
           <p:nvPr/>
         </p:nvPicPr>
         <p:blipFill>
-          <a:blip r:embed="rId7">
+          <a:blip r:embed="rId6">
             <a:grayscl/>
             <a:extLst>
               <a:ext uri="{28A0092B-C50C-407E-A947-70E740481C1C}">
@@ -5466,7 +5395,7 @@
           <p:nvPr/>
         </p:nvPicPr>
         <p:blipFill>
-          <a:blip r:embed="rId7">
+          <a:blip r:embed="rId6">
             <a:duotone>
               <a:prstClr val="black"/>
               <a:schemeClr val="accent5">
@@ -5503,7 +5432,7 @@
           <p:nvPr/>
         </p:nvPicPr>
         <p:blipFill>
-          <a:blip r:embed="rId7">
+          <a:blip r:embed="rId6">
             <a:duotone>
               <a:prstClr val="black"/>
               <a:schemeClr val="accent5">
@@ -5540,7 +5469,7 @@
           <p:nvPr/>
         </p:nvPicPr>
         <p:blipFill>
-          <a:blip r:embed="rId7">
+          <a:blip r:embed="rId6">
             <a:duotone>
               <a:prstClr val="black"/>
               <a:schemeClr val="accent5">
@@ -5577,7 +5506,7 @@
           <p:nvPr/>
         </p:nvPicPr>
         <p:blipFill>
-          <a:blip r:embed="rId7">
+          <a:blip r:embed="rId6">
             <a:duotone>
               <a:prstClr val="black"/>
               <a:schemeClr val="accent5">
@@ -5614,7 +5543,7 @@
           <p:nvPr/>
         </p:nvPicPr>
         <p:blipFill>
-          <a:blip r:embed="rId7">
+          <a:blip r:embed="rId6">
             <a:duotone>
               <a:prstClr val="black"/>
               <a:schemeClr val="accent5">
@@ -5651,7 +5580,7 @@
           <p:nvPr/>
         </p:nvPicPr>
         <p:blipFill>
-          <a:blip r:embed="rId7">
+          <a:blip r:embed="rId6">
             <a:duotone>
               <a:prstClr val="black"/>
               <a:schemeClr val="accent5">
@@ -5688,7 +5617,7 @@
           <p:nvPr/>
         </p:nvPicPr>
         <p:blipFill>
-          <a:blip r:embed="rId7">
+          <a:blip r:embed="rId6">
             <a:duotone>
               <a:prstClr val="black"/>
               <a:schemeClr val="accent5">
@@ -5725,7 +5654,7 @@
           <p:nvPr/>
         </p:nvPicPr>
         <p:blipFill>
-          <a:blip r:embed="rId7">
+          <a:blip r:embed="rId6">
             <a:duotone>
               <a:prstClr val="black"/>
               <a:schemeClr val="accent5">
@@ -5889,7 +5818,7 @@
           <p:nvPr/>
         </p:nvPicPr>
         <p:blipFill>
-          <a:blip r:embed="rId7">
+          <a:blip r:embed="rId6">
             <a:grayscl/>
             <a:extLst>
               <a:ext uri="{28A0092B-C50C-407E-A947-70E740481C1C}">
@@ -5920,7 +5849,7 @@
           <p:nvPr/>
         </p:nvPicPr>
         <p:blipFill>
-          <a:blip r:embed="rId7">
+          <a:blip r:embed="rId6">
             <a:grayscl/>
             <a:extLst>
               <a:ext uri="{28A0092B-C50C-407E-A947-70E740481C1C}">
@@ -5951,7 +5880,7 @@
           <p:nvPr/>
         </p:nvPicPr>
         <p:blipFill>
-          <a:blip r:embed="rId7">
+          <a:blip r:embed="rId6">
             <a:duotone>
               <a:prstClr val="black"/>
               <a:schemeClr val="accent5">
@@ -5988,7 +5917,7 @@
           <p:nvPr/>
         </p:nvPicPr>
         <p:blipFill>
-          <a:blip r:embed="rId7">
+          <a:blip r:embed="rId6">
             <a:duotone>
               <a:prstClr val="black"/>
               <a:schemeClr val="accent5">
@@ -6025,7 +5954,7 @@
           <p:nvPr/>
         </p:nvPicPr>
         <p:blipFill>
-          <a:blip r:embed="rId7">
+          <a:blip r:embed="rId6">
             <a:duotone>
               <a:prstClr val="black"/>
               <a:schemeClr val="accent5">
@@ -6062,7 +5991,7 @@
           <p:nvPr/>
         </p:nvPicPr>
         <p:blipFill>
-          <a:blip r:embed="rId7">
+          <a:blip r:embed="rId6">
             <a:duotone>
               <a:prstClr val="black"/>
               <a:schemeClr val="accent5">
@@ -6099,7 +6028,7 @@
           <p:nvPr/>
         </p:nvPicPr>
         <p:blipFill>
-          <a:blip r:embed="rId7">
+          <a:blip r:embed="rId6">
             <a:duotone>
               <a:prstClr val="black"/>
               <a:schemeClr val="accent5">
@@ -6136,7 +6065,7 @@
           <p:nvPr/>
         </p:nvPicPr>
         <p:blipFill>
-          <a:blip r:embed="rId7">
+          <a:blip r:embed="rId6">
             <a:duotone>
               <a:prstClr val="black"/>
               <a:schemeClr val="accent5">
@@ -6173,7 +6102,7 @@
           <p:nvPr/>
         </p:nvPicPr>
         <p:blipFill>
-          <a:blip r:embed="rId7">
+          <a:blip r:embed="rId6">
             <a:duotone>
               <a:prstClr val="black"/>
               <a:schemeClr val="accent5">
@@ -6210,7 +6139,7 @@
           <p:nvPr/>
         </p:nvPicPr>
         <p:blipFill>
-          <a:blip r:embed="rId7">
+          <a:blip r:embed="rId6">
             <a:duotone>
               <a:prstClr val="black"/>
               <a:schemeClr val="accent5">
@@ -6429,7 +6358,7 @@
           <p:nvPr/>
         </p:nvPicPr>
         <p:blipFill>
-          <a:blip r:embed="rId8">
+          <a:blip r:embed="rId7">
             <a:duotone>
               <a:prstClr val="black"/>
               <a:schemeClr val="accent3">
@@ -6440,7 +6369,7 @@
             <a:extLst>
               <a:ext uri="{BEBA8EAE-BF5A-486C-A8C5-ECC9F3942E4B}">
                 <a14:imgProps xmlns:a14="http://schemas.microsoft.com/office/drawing/2010/main">
-                  <a14:imgLayer r:embed="rId9">
+                  <a14:imgLayer r:embed="rId8">
                     <a14:imgEffect>
                       <a14:saturation sat="0"/>
                     </a14:imgEffect>
@@ -7445,6 +7374,123 @@
           </a:fontRef>
         </p:style>
       </p:cxnSp>
+      <p:sp>
+        <p:nvSpPr>
+          <p:cNvPr id="2" name="Прямоугольник 1"/>
+          <p:cNvSpPr/>
+          <p:nvPr/>
+        </p:nvSpPr>
+        <p:spPr>
+          <a:xfrm>
+            <a:off x="3937012" y="706241"/>
+            <a:ext cx="3503509" cy="4343539"/>
+          </a:xfrm>
+          <a:prstGeom prst="rect">
+            <a:avLst/>
+          </a:prstGeom>
+          <a:solidFill>
+            <a:schemeClr val="bg1"/>
+          </a:solidFill>
+          <a:ln>
+            <a:noFill/>
+          </a:ln>
+        </p:spPr>
+        <p:style>
+          <a:lnRef idx="2">
+            <a:schemeClr val="accent1">
+              <a:shade val="50000"/>
+            </a:schemeClr>
+          </a:lnRef>
+          <a:fillRef idx="1">
+            <a:schemeClr val="accent1"/>
+          </a:fillRef>
+          <a:effectRef idx="0">
+            <a:schemeClr val="accent1"/>
+          </a:effectRef>
+          <a:fontRef idx="minor">
+            <a:schemeClr val="lt1"/>
+          </a:fontRef>
+        </p:style>
+        <p:txBody>
+          <a:bodyPr rtlCol="0" anchor="ctr"/>
+          <a:lstStyle/>
+          <a:p>
+            <a:pPr algn="ctr"/>
+            <a:endParaRPr lang="ru-RU"/>
+          </a:p>
+        </p:txBody>
+      </p:sp>
+      <p:sp>
+        <p:nvSpPr>
+          <p:cNvPr id="49" name="Прямоугольник 48"/>
+          <p:cNvSpPr/>
+          <p:nvPr/>
+        </p:nvSpPr>
+        <p:spPr>
+          <a:xfrm>
+            <a:off x="4712413" y="1153372"/>
+            <a:ext cx="2693706" cy="3602250"/>
+          </a:xfrm>
+          <a:prstGeom prst="rect">
+            <a:avLst/>
+          </a:prstGeom>
+          <a:blipFill dpi="0" rotWithShape="1">
+            <a:blip r:embed="rId9"/>
+            <a:srcRect/>
+            <a:stretch>
+              <a:fillRect/>
+            </a:stretch>
+          </a:blipFill>
+          <a:effectLst/>
+          <a:scene3d>
+            <a:camera prst="perspectiveHeroicExtremeRightFacing">
+              <a:rot lat="1365436" lon="19905177" rev="287881"/>
+            </a:camera>
+            <a:lightRig rig="flood" dir="t"/>
+          </a:scene3d>
+          <a:sp3d extrusionH="774700" contourW="12700" prstMaterial="flat">
+            <a:extrusionClr>
+              <a:srgbClr val="B11F80"/>
+            </a:extrusionClr>
+            <a:contourClr>
+              <a:srgbClr val="B11F80"/>
+            </a:contourClr>
+          </a:sp3d>
+        </p:spPr>
+        <p:style>
+          <a:lnRef idx="2">
+            <a:schemeClr val="accent3">
+              <a:shade val="50000"/>
+            </a:schemeClr>
+          </a:lnRef>
+          <a:fillRef idx="1">
+            <a:schemeClr val="accent3"/>
+          </a:fillRef>
+          <a:effectRef idx="0">
+            <a:schemeClr val="accent3"/>
+          </a:effectRef>
+          <a:fontRef idx="minor">
+            <a:schemeClr val="lt1"/>
+          </a:fontRef>
+        </p:style>
+        <p:txBody>
+          <a:bodyPr rtlCol="0" anchor="ctr"/>
+          <a:lstStyle/>
+          <a:p>
+            <a:pPr algn="ctr"/>
+            <a:endParaRPr lang="ru-RU" sz="9600" dirty="0">
+              <a:effectLst>
+                <a:outerShdw blurRad="50800" dist="38100" dir="2700000" algn="tl" rotWithShape="0">
+                  <a:prstClr val="black">
+                    <a:alpha val="40000"/>
+                  </a:prstClr>
+                </a:outerShdw>
+              </a:effectLst>
+              <a:latin typeface="Book Antiqua" panose="02040602050305030304" pitchFamily="18" charset="0"/>
+            </a:endParaRPr>
+          </a:p>
+        </p:txBody>
+      </p:sp>
     </p:spTree>
     <p:extLst>
       <p:ext uri="{BB962C8B-B14F-4D97-AF65-F5344CB8AC3E}">
